--- a/presentations/html-css-js.pptx
+++ b/presentations/html-css-js.pptx
@@ -6676,7 +6676,7 @@
           <a:p>
             <a:fld id="{78B2772D-67CF-446E-AB14-873D70346968}" type="datetimeFigureOut">
               <a:rPr lang="en-GB" smtClean="0"/>
-              <a:t>07/02/2024</a:t>
+              <a:t>12/02/2024</a:t>
             </a:fld>
             <a:endParaRPr lang="en-GB"/>
           </a:p>
@@ -7767,7 +7767,7 @@
           <a:p>
             <a:fld id="{6C25FA03-981D-3F4F-ABFD-F2CAE44CF4DF}" type="datetime1">
               <a:rPr lang="en-GB" smtClean="0"/>
-              <a:t>07/02/2024</a:t>
+              <a:t>12/02/2024</a:t>
             </a:fld>
             <a:endParaRPr lang="en-GB"/>
           </a:p>
@@ -8087,7 +8087,7 @@
           <a:p>
             <a:fld id="{AD447513-F0D7-9140-9852-9A843D8B81D3}" type="datetime1">
               <a:rPr lang="en-GB" smtClean="0"/>
-              <a:t>07/02/2024</a:t>
+              <a:t>12/02/2024</a:t>
             </a:fld>
             <a:endParaRPr lang="en-GB"/>
           </a:p>
@@ -8500,7 +8500,7 @@
           <a:p>
             <a:fld id="{4FC983D9-AEB3-884A-8B61-40B359253CCD}" type="datetime1">
               <a:rPr lang="en-GB" smtClean="0"/>
-              <a:t>07/02/2024</a:t>
+              <a:t>12/02/2024</a:t>
             </a:fld>
             <a:endParaRPr lang="en-GB"/>
           </a:p>
@@ -9535,7 +9535,7 @@
           <a:p>
             <a:fld id="{862EF5BF-54FA-BF48-B61D-2432192EF666}" type="datetime1">
               <a:rPr lang="en-GB" smtClean="0"/>
-              <a:t>07/02/2024</a:t>
+              <a:t>12/02/2024</a:t>
             </a:fld>
             <a:endParaRPr lang="en-GB"/>
           </a:p>
@@ -12654,7 +12654,7 @@
           <a:p>
             <a:fld id="{08B972FC-9C63-1B41-803B-B958A5F6CE25}" type="datetime1">
               <a:rPr lang="en-GB" smtClean="0"/>
-              <a:t>07/02/2024</a:t>
+              <a:t>12/02/2024</a:t>
             </a:fld>
             <a:endParaRPr lang="en-GB"/>
           </a:p>
@@ -12782,7 +12782,7 @@
           <a:p>
             <a:fld id="{05210873-7FD8-1244-ABA1-499AC4AF712B}" type="datetime1">
               <a:rPr lang="en-GB" smtClean="0"/>
-              <a:t>07/02/2024</a:t>
+              <a:t>12/02/2024</a:t>
             </a:fld>
             <a:endParaRPr lang="en-GB"/>
           </a:p>
@@ -13012,7 +13012,7 @@
           <a:p>
             <a:fld id="{5075CE0D-163E-D54F-96AD-C92D6F353048}" type="datetime1">
               <a:rPr lang="en-GB" smtClean="0"/>
-              <a:t>07/02/2024</a:t>
+              <a:t>12/02/2024</a:t>
             </a:fld>
             <a:endParaRPr lang="en-GB"/>
           </a:p>
@@ -14231,7 +14231,7 @@
           </a:ln>
           <a:extLst>
             <a:ext uri="{C572A759-6A51-4108-AA02-DFA0A04FC94B}">
-              <ma14:wrappingTextBoxFlag xmlns="" xmlns:ma14="http://schemas.microsoft.com/office/mac/drawingml/2011/main" val="1"/>
+              <ma14:wrappingTextBoxFlag xmlns:ma14="http://schemas.microsoft.com/office/mac/drawingml/2011/main" xmlns="" val="1"/>
             </a:ext>
           </a:extLst>
         </p:spPr>
@@ -14428,7 +14428,7 @@
           </a:ln>
           <a:extLst>
             <a:ext uri="{C572A759-6A51-4108-AA02-DFA0A04FC94B}">
-              <ma14:wrappingTextBoxFlag xmlns="" xmlns:ma14="http://schemas.microsoft.com/office/mac/drawingml/2011/main" val="1"/>
+              <ma14:wrappingTextBoxFlag xmlns:ma14="http://schemas.microsoft.com/office/mac/drawingml/2011/main" xmlns="" val="1"/>
             </a:ext>
           </a:extLst>
         </p:spPr>
@@ -14691,7 +14691,7 @@
           </a:ln>
           <a:extLst>
             <a:ext uri="{C572A759-6A51-4108-AA02-DFA0A04FC94B}">
-              <ma14:wrappingTextBoxFlag xmlns="" xmlns:ma14="http://schemas.microsoft.com/office/mac/drawingml/2011/main" val="1"/>
+              <ma14:wrappingTextBoxFlag xmlns:ma14="http://schemas.microsoft.com/office/mac/drawingml/2011/main" xmlns="" val="1"/>
             </a:ext>
           </a:extLst>
         </p:spPr>
@@ -15712,7 +15712,7 @@
           <a:p>
             <a:fld id="{330677AC-4808-7844-8878-C4DC36017FAF}" type="datetime1">
               <a:rPr lang="en-GB" smtClean="0"/>
-              <a:t>07/02/2024</a:t>
+              <a:t>12/02/2024</a:t>
             </a:fld>
             <a:endParaRPr lang="en-GB"/>
           </a:p>
@@ -16239,7 +16239,7 @@
           <a:p>
             <a:fld id="{05A8478A-EDB8-3145-A182-C5ED532937CD}" type="datetime1">
               <a:rPr lang="en-GB" smtClean="0"/>
-              <a:t>07/02/2024</a:t>
+              <a:t>12/02/2024</a:t>
             </a:fld>
             <a:endParaRPr lang="en-GB"/>
           </a:p>
@@ -16617,7 +16617,7 @@
           <a:p>
             <a:fld id="{3A861D55-4B75-6148-B497-8307DFA79D9F}" type="datetime1">
               <a:rPr lang="en-GB" smtClean="0"/>
-              <a:t>07/02/2024</a:t>
+              <a:t>12/02/2024</a:t>
             </a:fld>
             <a:endParaRPr lang="en-GB"/>
           </a:p>
@@ -16935,7 +16935,7 @@
           <a:p>
             <a:fld id="{23E27BC6-0B0F-3C48-A90A-106E7F9DC3AC}" type="datetime1">
               <a:rPr lang="en-GB" smtClean="0"/>
-              <a:t>07/02/2024</a:t>
+              <a:t>12/02/2024</a:t>
             </a:fld>
             <a:endParaRPr lang="en-GB"/>
           </a:p>
@@ -17317,7 +17317,7 @@
           <a:p>
             <a:fld id="{52156CEE-F6CC-7B46-8301-E62F55883839}" type="datetime1">
               <a:rPr lang="en-GB" smtClean="0"/>
-              <a:t>07/02/2024</a:t>
+              <a:t>12/02/2024</a:t>
             </a:fld>
             <a:endParaRPr lang="en-GB"/>
           </a:p>
@@ -17699,7 +17699,7 @@
           <a:p>
             <a:fld id="{F44621EF-E3B6-AC44-B311-3F80F8F520D1}" type="datetime1">
               <a:rPr lang="en-GB" smtClean="0"/>
-              <a:t>07/02/2024</a:t>
+              <a:t>12/02/2024</a:t>
             </a:fld>
             <a:endParaRPr lang="en-GB"/>
           </a:p>
@@ -18081,7 +18081,7 @@
           <a:p>
             <a:fld id="{D97C8151-BC5D-0342-B9A9-219468AF0BB5}" type="datetime1">
               <a:rPr lang="en-GB" smtClean="0"/>
-              <a:t>07/02/2024</a:t>
+              <a:t>12/02/2024</a:t>
             </a:fld>
             <a:endParaRPr lang="en-GB"/>
           </a:p>
@@ -18414,7 +18414,7 @@
           <a:p>
             <a:fld id="{31D05CA0-F179-1E48-8911-D48A170F3146}" type="datetime1">
               <a:rPr lang="en-GB" smtClean="0"/>
-              <a:t>07/02/2024</a:t>
+              <a:t>12/02/2024</a:t>
             </a:fld>
             <a:endParaRPr lang="en-GB"/>
           </a:p>
@@ -19735,10 +19735,9 @@
           <a:lstStyle/>
           <a:p>
             <a:r>
-              <a:rPr lang="en-GB"/>
-              <a:t>October 2023</a:t>
-            </a:r>
-            <a:endParaRPr lang="en-GB" dirty="0"/>
+              <a:rPr lang="en-GB" dirty="0"/>
+              <a:t>February 2024</a:t>
+            </a:r>
           </a:p>
         </p:txBody>
       </p:sp>
@@ -28005,6 +28004,15 @@
 </file>
 
 <file path=customXml/item1.xml><?xml version="1.0" encoding="utf-8"?>
+<?mso-contentType ?>
+<FormTemplates xmlns="http://schemas.microsoft.com/sharepoint/v3/contenttype/forms">
+  <Display>DocumentLibraryForm</Display>
+  <Edit>DocumentLibraryForm</Edit>
+  <New>DocumentLibraryForm</New>
+</FormTemplates>
+</file>
+
+<file path=customXml/item2.xml><?xml version="1.0" encoding="utf-8"?>
 <ct:contentTypeSchema xmlns:ct="http://schemas.microsoft.com/office/2006/metadata/contentType" xmlns:ma="http://schemas.microsoft.com/office/2006/metadata/properties/metaAttributes" ct:_="" ma:_="" ma:contentTypeName="Document" ma:contentTypeID="0x010100C41CF2333F1C904B80A4811D68B50097" ma:contentTypeVersion="12" ma:contentTypeDescription="Create a new document." ma:contentTypeScope="" ma:versionID="ed495581af461ca466c171f5b872cd83">
   <xsd:schema xmlns:xsd="http://www.w3.org/2001/XMLSchema" xmlns:xs="http://www.w3.org/2001/XMLSchema" xmlns:p="http://schemas.microsoft.com/office/2006/metadata/properties" xmlns:ns2="b3e7612e-fdb2-4974-b106-74dc7088542d" xmlns:ns3="16822fe8-4949-411e-b509-0583e0da6ec6" targetNamespace="http://schemas.microsoft.com/office/2006/metadata/properties" ma:root="true" ma:fieldsID="b031bb905399b1b75517dac07ffd7c20" ns2:_="" ns3:_="">
     <xsd:import namespace="b3e7612e-fdb2-4974-b106-74dc7088542d"/>
@@ -28221,15 +28229,6 @@
 </ct:contentTypeSchema>
 </file>
 
-<file path=customXml/item2.xml><?xml version="1.0" encoding="utf-8"?>
-<?mso-contentType ?>
-<FormTemplates xmlns="http://schemas.microsoft.com/sharepoint/v3/contenttype/forms">
-  <Display>DocumentLibraryForm</Display>
-  <Edit>DocumentLibraryForm</Edit>
-  <New>DocumentLibraryForm</New>
-</FormTemplates>
-</file>
-
 <file path=customXml/item3.xml><?xml version="1.0" encoding="utf-8"?>
 <p:properties xmlns:p="http://schemas.microsoft.com/office/2006/metadata/properties" xmlns:xsi="http://www.w3.org/2001/XMLSchema-instance" xmlns:pc="http://schemas.microsoft.com/office/infopath/2007/PartnerControls">
   <documentManagement/>
@@ -28237,6 +28236,14 @@
 </file>
 
 <file path=customXml/itemProps1.xml><?xml version="1.0" encoding="utf-8"?>
+<ds:datastoreItem xmlns:ds="http://schemas.openxmlformats.org/officeDocument/2006/customXml" ds:itemID="{CE1CAEE4-FACD-4E29-9FA2-1415ACCF9B2B}">
+  <ds:schemaRefs>
+    <ds:schemaRef ds:uri="http://schemas.microsoft.com/sharepoint/v3/contenttype/forms"/>
+  </ds:schemaRefs>
+</ds:datastoreItem>
+</file>
+
+<file path=customXml/itemProps2.xml><?xml version="1.0" encoding="utf-8"?>
 <ds:datastoreItem xmlns:ds="http://schemas.openxmlformats.org/officeDocument/2006/customXml" ds:itemID="{4AEDF40A-C432-41BD-9360-5BDA75CC15AC}">
   <ds:schemaRefs>
     <ds:schemaRef ds:uri="16822fe8-4949-411e-b509-0583e0da6ec6"/>
@@ -28251,14 +28258,6 @@
     <ds:schemaRef ds:uri="http://schemas.microsoft.com/office/infopath/2007/PartnerControls"/>
     <ds:schemaRef ds:uri="http://schemas.openxmlformats.org/package/2006/metadata/core-properties"/>
     <ds:schemaRef ds:uri="http://www.w3.org/2001/XMLSchema"/>
-  </ds:schemaRefs>
-</ds:datastoreItem>
-</file>
-
-<file path=customXml/itemProps2.xml><?xml version="1.0" encoding="utf-8"?>
-<ds:datastoreItem xmlns:ds="http://schemas.openxmlformats.org/officeDocument/2006/customXml" ds:itemID="{CE1CAEE4-FACD-4E29-9FA2-1415ACCF9B2B}">
-  <ds:schemaRefs>
-    <ds:schemaRef ds:uri="http://schemas.microsoft.com/sharepoint/v3/contenttype/forms"/>
   </ds:schemaRefs>
 </ds:datastoreItem>
 </file>
